--- a/documents/presentatie.pptx
+++ b/documents/presentatie.pptx
@@ -5,21 +5,20 @@
     <p:sldMasterId id="2147483660" r:id="rId2"/>
   </p:sldMasterIdLst>
   <p:notesMasterIdLst>
-    <p:notesMasterId r:id="rId12"/>
+    <p:notesMasterId r:id="rId11"/>
   </p:notesMasterIdLst>
   <p:handoutMasterIdLst>
-    <p:handoutMasterId r:id="rId13"/>
+    <p:handoutMasterId r:id="rId12"/>
   </p:handoutMasterIdLst>
   <p:sldIdLst>
     <p:sldId id="257" r:id="rId3"/>
     <p:sldId id="268" r:id="rId4"/>
     <p:sldId id="267" r:id="rId5"/>
     <p:sldId id="269" r:id="rId6"/>
-    <p:sldId id="270" r:id="rId7"/>
-    <p:sldId id="272" r:id="rId8"/>
-    <p:sldId id="271" r:id="rId9"/>
-    <p:sldId id="262" r:id="rId10"/>
-    <p:sldId id="259" r:id="rId11"/>
+    <p:sldId id="272" r:id="rId7"/>
+    <p:sldId id="271" r:id="rId8"/>
+    <p:sldId id="262" r:id="rId9"/>
+    <p:sldId id="259" r:id="rId10"/>
   </p:sldIdLst>
   <p:sldSz cx="12188825" cy="6858000"/>
   <p:notesSz cx="6858000" cy="9144000"/>
@@ -259,7 +258,7 @@
             <a:fld id="{FE5B4EDC-59C0-49C7-8ADA-5A781B329E02}" type="datetimeFigureOut">
               <a:rPr lang="nl-NL"/>
               <a:pPr/>
-              <a:t>26-1-2015</a:t>
+              <a:t>28-1-2015</a:t>
             </a:fld>
             <a:endParaRPr lang="nl-NL"/>
           </a:p>
@@ -326,7 +325,7 @@
             <a:fld id="{79429053-DC2A-4342-ADD4-2FD729D91E2C}" type="slidenum">
               <a:rPr/>
               <a:pPr/>
-              <a:t>‹nr.›</a:t>
+              <a:t>‹#›</a:t>
             </a:fld>
             <a:endParaRPr lang="nl-NL"/>
           </a:p>
@@ -426,7 +425,7 @@
             <a:fld id="{F2D8D46A-B586-417D-BFBD-8C8FE0AAF762}" type="datetimeFigureOut">
               <a:rPr lang="nl-NL"/>
               <a:pPr/>
-              <a:t>26-1-2015</a:t>
+              <a:t>28-1-2015</a:t>
             </a:fld>
             <a:endParaRPr lang="nl-NL"/>
           </a:p>
@@ -585,7 +584,7 @@
             <a:fld id="{3EBA5BD7-F043-4D1B-AA17-CD412FC534DE}" type="slidenum">
               <a:rPr/>
               <a:pPr/>
-              <a:t>‹nr.›</a:t>
+              <a:t>‹#›</a:t>
             </a:fld>
             <a:endParaRPr lang="nl-NL"/>
           </a:p>
@@ -692,91 +691,6 @@
     </a:lvl9pPr>
   </p:notesStyle>
 </p:notesMaster>
-</file>
-
-<file path=ppt/notesSlides/notesSlide1.xml><?xml version="1.0" encoding="utf-8"?>
-<p:notes xmlns:a="http://schemas.openxmlformats.org/drawingml/2006/main" xmlns:r="http://schemas.openxmlformats.org/officeDocument/2006/relationships" xmlns:p="http://schemas.openxmlformats.org/presentationml/2006/main">
-  <p:cSld>
-    <p:spTree>
-      <p:nvGrpSpPr>
-        <p:cNvPr id="1" name=""/>
-        <p:cNvGrpSpPr/>
-        <p:nvPr/>
-      </p:nvGrpSpPr>
-      <p:grpSpPr>
-        <a:xfrm>
-          <a:off x="0" y="0"/>
-          <a:ext cx="0" cy="0"/>
-          <a:chOff x="0" y="0"/>
-          <a:chExt cx="0" cy="0"/>
-        </a:xfrm>
-      </p:grpSpPr>
-      <p:sp>
-        <p:nvSpPr>
-          <p:cNvPr id="2" name="Slide Image Placeholder 1"/>
-          <p:cNvSpPr>
-            <a:spLocks noGrp="1" noRot="1" noChangeAspect="1"/>
-          </p:cNvSpPr>
-          <p:nvPr>
-            <p:ph type="sldImg"/>
-          </p:nvPr>
-        </p:nvSpPr>
-        <p:spPr/>
-      </p:sp>
-      <p:sp>
-        <p:nvSpPr>
-          <p:cNvPr id="3" name="Notes Placeholder 2"/>
-          <p:cNvSpPr>
-            <a:spLocks noGrp="1"/>
-          </p:cNvSpPr>
-          <p:nvPr>
-            <p:ph type="body" idx="1"/>
-          </p:nvPr>
-        </p:nvSpPr>
-        <p:spPr/>
-        <p:txBody>
-          <a:bodyPr/>
-          <a:lstStyle/>
-          <a:p>
-            <a:endParaRPr lang="en-US" dirty="0"/>
-          </a:p>
-        </p:txBody>
-      </p:sp>
-      <p:sp>
-        <p:nvSpPr>
-          <p:cNvPr id="4" name="Tijdelijke aanduiding voor dianummer 3"/>
-          <p:cNvSpPr>
-            <a:spLocks noGrp="1"/>
-          </p:cNvSpPr>
-          <p:nvPr>
-            <p:ph type="sldNum" sz="quarter" idx="10"/>
-          </p:nvPr>
-        </p:nvSpPr>
-        <p:spPr/>
-        <p:txBody>
-          <a:bodyPr/>
-          <a:lstStyle/>
-          <a:p>
-            <a:fld id="{3EBA5BD7-F043-4D1B-AA17-CD412FC534DE}" type="slidenum">
-              <a:rPr lang="en-US" smtClean="0"/>
-              <a:pPr/>
-              <a:t>5</a:t>
-            </a:fld>
-            <a:endParaRPr lang="nl-NL"/>
-          </a:p>
-        </p:txBody>
-      </p:sp>
-    </p:spTree>
-    <p:extLst>
-      <p:ext uri="{BB962C8B-B14F-4D97-AF65-F5344CB8AC3E}">
-        <p14:creationId xmlns:p14="http://schemas.microsoft.com/office/powerpoint/2010/main" val="4117229062"/>
-      </p:ext>
-    </p:extLst>
-  </p:cSld>
-  <p:clrMapOvr>
-    <a:masterClrMapping/>
-  </p:clrMapOvr>
-</p:notes>
 </file>
 
 <file path=ppt/slideLayouts/slideLayout1.xml><?xml version="1.0" encoding="utf-8"?>
@@ -1536,7 +1450,7 @@
             <a:fld id="{F0DFD029-FB74-4578-B929-F66AA97659CA}" type="datetimeFigureOut">
               <a:rPr lang="nl-NL" smtClean="0"/>
               <a:pPr/>
-              <a:t>26-1-2015</a:t>
+              <a:t>28-1-2015</a:t>
             </a:fld>
             <a:endParaRPr lang="nl-NL" dirty="0"/>
           </a:p>
@@ -1579,7 +1493,7 @@
             <a:fld id="{C014DD1E-5D91-48A3-AD6D-45FBA980D106}" type="slidenum">
               <a:rPr lang="nl-NL" smtClean="0"/>
               <a:pPr/>
-              <a:t>‹nr.›</a:t>
+              <a:t>‹#›</a:t>
             </a:fld>
             <a:endParaRPr lang="nl-NL" dirty="0"/>
           </a:p>
@@ -1601,7 +1515,7 @@
         <p:fade/>
       </p:transition>
     </mc:Choice>
-    <mc:Fallback xmlns:c="http://schemas.openxmlformats.org/drawingml/2006/chart" xmlns:dgm="http://schemas.openxmlformats.org/drawingml/2006/diagram" xmlns:cdr="http://schemas.openxmlformats.org/drawingml/2006/chartDrawing" xmlns:wne="http://schemas.microsoft.com/office/powerpoint/2006/powerpointml" xmlns:wp="http://schemas.openxmlformats.org/drawingml/2006/powerpointprocessingDrawing" xmlns:v="urn:schemas-microsoft-com:vml" xmlns:o="urn:schemas-microsoft-com:office:office" xmlns="">
+    <mc:Fallback xmlns="" xmlns:o="urn:schemas-microsoft-com:office:office" xmlns:v="urn:schemas-microsoft-com:vml" xmlns:wp="http://schemas.openxmlformats.org/drawingml/2006/powerpointprocessingDrawing" xmlns:wne="http://schemas.microsoft.com/office/powerpoint/2006/powerpointml" xmlns:cdr="http://schemas.openxmlformats.org/drawingml/2006/chartDrawing" xmlns:dgm="http://schemas.openxmlformats.org/drawingml/2006/diagram" xmlns:c="http://schemas.openxmlformats.org/drawingml/2006/chart">
       <p:transition spd="med">
         <p:fade/>
       </p:transition>
@@ -1743,7 +1657,7 @@
             <a:fld id="{F0DFD029-FB74-4578-B929-F66AA97659CA}" type="datetimeFigureOut">
               <a:rPr lang="nl-NL" smtClean="0"/>
               <a:pPr/>
-              <a:t>26-1-2015</a:t>
+              <a:t>28-1-2015</a:t>
             </a:fld>
             <a:endParaRPr lang="nl-NL" dirty="0"/>
           </a:p>
@@ -1786,7 +1700,7 @@
             <a:fld id="{C014DD1E-5D91-48A3-AD6D-45FBA980D106}" type="slidenum">
               <a:rPr lang="nl-NL" smtClean="0"/>
               <a:pPr/>
-              <a:t>‹nr.›</a:t>
+              <a:t>‹#›</a:t>
             </a:fld>
             <a:endParaRPr lang="nl-NL" dirty="0"/>
           </a:p>
@@ -1960,7 +1874,7 @@
             <a:fld id="{F0DFD029-FB74-4578-B929-F66AA97659CA}" type="datetimeFigureOut">
               <a:rPr lang="nl-NL" smtClean="0"/>
               <a:pPr/>
-              <a:t>26-1-2015</a:t>
+              <a:t>28-1-2015</a:t>
             </a:fld>
             <a:endParaRPr lang="nl-NL" dirty="0"/>
           </a:p>
@@ -2003,7 +1917,7 @@
             <a:fld id="{C014DD1E-5D91-48A3-AD6D-45FBA980D106}" type="slidenum">
               <a:rPr lang="nl-NL" smtClean="0"/>
               <a:pPr/>
-              <a:t>‹nr.›</a:t>
+              <a:t>‹#›</a:t>
             </a:fld>
             <a:endParaRPr lang="nl-NL" dirty="0"/>
           </a:p>
@@ -2167,7 +2081,7 @@
             <a:fld id="{F0DFD029-FB74-4578-B929-F66AA97659CA}" type="datetimeFigureOut">
               <a:rPr lang="nl-NL" smtClean="0"/>
               <a:pPr/>
-              <a:t>26-1-2015</a:t>
+              <a:t>28-1-2015</a:t>
             </a:fld>
             <a:endParaRPr lang="nl-NL" dirty="0"/>
           </a:p>
@@ -2210,7 +2124,7 @@
             <a:fld id="{C014DD1E-5D91-48A3-AD6D-45FBA980D106}" type="slidenum">
               <a:rPr lang="nl-NL" smtClean="0"/>
               <a:pPr/>
-              <a:t>‹nr.›</a:t>
+              <a:t>‹#›</a:t>
             </a:fld>
             <a:endParaRPr lang="nl-NL" dirty="0"/>
           </a:p>
@@ -2439,7 +2353,7 @@
             <a:fld id="{F0DFD029-FB74-4578-B929-F66AA97659CA}" type="datetimeFigureOut">
               <a:rPr lang="nl-NL" smtClean="0"/>
               <a:pPr/>
-              <a:t>26-1-2015</a:t>
+              <a:t>28-1-2015</a:t>
             </a:fld>
             <a:endParaRPr lang="nl-NL" dirty="0"/>
           </a:p>
@@ -2482,7 +2396,7 @@
             <a:fld id="{C014DD1E-5D91-48A3-AD6D-45FBA980D106}" type="slidenum">
               <a:rPr lang="nl-NL" smtClean="0"/>
               <a:pPr/>
-              <a:t>‹nr.›</a:t>
+              <a:t>‹#›</a:t>
             </a:fld>
             <a:endParaRPr lang="nl-NL" dirty="0"/>
           </a:p>
@@ -2673,7 +2587,7 @@
         <p:fade/>
       </p:transition>
     </mc:Choice>
-    <mc:Fallback xmlns:c="http://schemas.openxmlformats.org/drawingml/2006/chart" xmlns:dgm="http://schemas.openxmlformats.org/drawingml/2006/diagram" xmlns:cdr="http://schemas.openxmlformats.org/drawingml/2006/chartDrawing" xmlns:wne="http://schemas.microsoft.com/office/powerpoint/2006/powerpointml" xmlns:wp="http://schemas.openxmlformats.org/drawingml/2006/powerpointprocessingDrawing" xmlns:v="urn:schemas-microsoft-com:vml" xmlns:o="urn:schemas-microsoft-com:office:office" xmlns="">
+    <mc:Fallback xmlns="" xmlns:o="urn:schemas-microsoft-com:office:office" xmlns:v="urn:schemas-microsoft-com:vml" xmlns:wp="http://schemas.openxmlformats.org/drawingml/2006/powerpointprocessingDrawing" xmlns:wne="http://schemas.microsoft.com/office/powerpoint/2006/powerpointml" xmlns:cdr="http://schemas.openxmlformats.org/drawingml/2006/chartDrawing" xmlns:dgm="http://schemas.openxmlformats.org/drawingml/2006/diagram" xmlns:c="http://schemas.openxmlformats.org/drawingml/2006/chart">
       <p:transition spd="med">
         <p:fade/>
       </p:transition>
@@ -2926,7 +2840,7 @@
             <a:fld id="{F0DFD029-FB74-4578-B929-F66AA97659CA}" type="datetimeFigureOut">
               <a:rPr lang="nl-NL" smtClean="0"/>
               <a:pPr/>
-              <a:t>26-1-2015</a:t>
+              <a:t>28-1-2015</a:t>
             </a:fld>
             <a:endParaRPr lang="nl-NL" dirty="0"/>
           </a:p>
@@ -2969,7 +2883,7 @@
             <a:fld id="{C014DD1E-5D91-48A3-AD6D-45FBA980D106}" type="slidenum">
               <a:rPr lang="nl-NL" smtClean="0"/>
               <a:pPr/>
-              <a:t>‹nr.›</a:t>
+              <a:t>‹#›</a:t>
             </a:fld>
             <a:endParaRPr lang="nl-NL" dirty="0"/>
           </a:p>
@@ -3396,7 +3310,7 @@
             <a:fld id="{F0DFD029-FB74-4578-B929-F66AA97659CA}" type="datetimeFigureOut">
               <a:rPr lang="nl-NL" smtClean="0"/>
               <a:pPr/>
-              <a:t>26-1-2015</a:t>
+              <a:t>28-1-2015</a:t>
             </a:fld>
             <a:endParaRPr lang="nl-NL" dirty="0"/>
           </a:p>
@@ -3439,7 +3353,7 @@
             <a:fld id="{C014DD1E-5D91-48A3-AD6D-45FBA980D106}" type="slidenum">
               <a:rPr lang="nl-NL" smtClean="0"/>
               <a:pPr/>
-              <a:t>‹nr.›</a:t>
+              <a:t>‹#›</a:t>
             </a:fld>
             <a:endParaRPr lang="nl-NL" dirty="0"/>
           </a:p>
@@ -3535,7 +3449,7 @@
             <a:fld id="{F0DFD029-FB74-4578-B929-F66AA97659CA}" type="datetimeFigureOut">
               <a:rPr lang="nl-NL" smtClean="0"/>
               <a:pPr/>
-              <a:t>26-1-2015</a:t>
+              <a:t>28-1-2015</a:t>
             </a:fld>
             <a:endParaRPr lang="nl-NL" dirty="0"/>
           </a:p>
@@ -3578,7 +3492,7 @@
             <a:fld id="{C014DD1E-5D91-48A3-AD6D-45FBA980D106}" type="slidenum">
               <a:rPr lang="nl-NL" smtClean="0"/>
               <a:pPr/>
-              <a:t>‹nr.›</a:t>
+              <a:t>‹#›</a:t>
             </a:fld>
             <a:endParaRPr lang="nl-NL" dirty="0"/>
           </a:p>
@@ -3651,7 +3565,7 @@
             <a:fld id="{F0DFD029-FB74-4578-B929-F66AA97659CA}" type="datetimeFigureOut">
               <a:rPr lang="nl-NL" smtClean="0"/>
               <a:pPr/>
-              <a:t>26-1-2015</a:t>
+              <a:t>28-1-2015</a:t>
             </a:fld>
             <a:endParaRPr lang="nl-NL" dirty="0"/>
           </a:p>
@@ -3694,7 +3608,7 @@
             <a:fld id="{C014DD1E-5D91-48A3-AD6D-45FBA980D106}" type="slidenum">
               <a:rPr lang="nl-NL" smtClean="0"/>
               <a:pPr/>
-              <a:t>‹nr.›</a:t>
+              <a:t>‹#›</a:t>
             </a:fld>
             <a:endParaRPr lang="nl-NL" dirty="0"/>
           </a:p>
@@ -3959,7 +3873,7 @@
             <a:fld id="{F0DFD029-FB74-4578-B929-F66AA97659CA}" type="datetimeFigureOut">
               <a:rPr lang="nl-NL" smtClean="0"/>
               <a:pPr/>
-              <a:t>26-1-2015</a:t>
+              <a:t>28-1-2015</a:t>
             </a:fld>
             <a:endParaRPr lang="nl-NL" dirty="0"/>
           </a:p>
@@ -4002,7 +3916,7 @@
             <a:fld id="{C014DD1E-5D91-48A3-AD6D-45FBA980D106}" type="slidenum">
               <a:rPr lang="nl-NL" smtClean="0"/>
               <a:pPr/>
-              <a:t>‹nr.›</a:t>
+              <a:t>‹#›</a:t>
             </a:fld>
             <a:endParaRPr lang="nl-NL" dirty="0"/>
           </a:p>
@@ -4256,7 +4170,7 @@
             <a:fld id="{F0DFD029-FB74-4578-B929-F66AA97659CA}" type="datetimeFigureOut">
               <a:rPr lang="nl-NL" smtClean="0"/>
               <a:pPr/>
-              <a:t>26-1-2015</a:t>
+              <a:t>28-1-2015</a:t>
             </a:fld>
             <a:endParaRPr lang="nl-NL" dirty="0"/>
           </a:p>
@@ -4299,7 +4213,7 @@
             <a:fld id="{C014DD1E-5D91-48A3-AD6D-45FBA980D106}" type="slidenum">
               <a:rPr lang="nl-NL" smtClean="0"/>
               <a:pPr/>
-              <a:t>‹nr.›</a:t>
+              <a:t>‹#›</a:t>
             </a:fld>
             <a:endParaRPr lang="nl-NL" dirty="0"/>
           </a:p>
@@ -4887,7 +4801,7 @@
             <a:fld id="{F0DFD029-FB74-4578-B929-F66AA97659CA}" type="datetimeFigureOut">
               <a:rPr lang="nl-NL" smtClean="0"/>
               <a:pPr/>
-              <a:t>26-1-2015</a:t>
+              <a:t>28-1-2015</a:t>
             </a:fld>
             <a:endParaRPr lang="nl-NL" dirty="0"/>
           </a:p>
@@ -4966,7 +4880,7 @@
             <a:fld id="{C014DD1E-5D91-48A3-AD6D-45FBA980D106}" type="slidenum">
               <a:rPr lang="nl-NL" smtClean="0"/>
               <a:pPr/>
-              <a:t>‹nr.›</a:t>
+              <a:t>‹#›</a:t>
             </a:fld>
             <a:endParaRPr lang="nl-NL" dirty="0"/>
           </a:p>
@@ -4999,7 +4913,7 @@
         <p:fade/>
       </p:transition>
     </mc:Choice>
-    <mc:Fallback xmlns:c="http://schemas.openxmlformats.org/drawingml/2006/chart" xmlns:dgm="http://schemas.openxmlformats.org/drawingml/2006/diagram" xmlns:cdr="http://schemas.openxmlformats.org/drawingml/2006/chartDrawing" xmlns:wne="http://schemas.microsoft.com/office/powerpoint/2006/powerpointml" xmlns:wp="http://schemas.openxmlformats.org/drawingml/2006/powerpointprocessingDrawing" xmlns:v="urn:schemas-microsoft-com:vml" xmlns:o="urn:schemas-microsoft-com:office:office" xmlns="">
+    <mc:Fallback xmlns="" xmlns:o="urn:schemas-microsoft-com:office:office" xmlns:v="urn:schemas-microsoft-com:vml" xmlns:wp="http://schemas.openxmlformats.org/drawingml/2006/powerpointprocessingDrawing" xmlns:wne="http://schemas.microsoft.com/office/powerpoint/2006/powerpointml" xmlns:cdr="http://schemas.openxmlformats.org/drawingml/2006/chartDrawing" xmlns:dgm="http://schemas.openxmlformats.org/drawingml/2006/diagram" xmlns:c="http://schemas.openxmlformats.org/drawingml/2006/chart">
       <p:transition spd="med">
         <p:fade/>
       </p:transition>
@@ -5414,7 +5328,7 @@
         <p:fade/>
       </p:transition>
     </mc:Choice>
-    <mc:Fallback xmlns:c="http://schemas.openxmlformats.org/drawingml/2006/chart" xmlns:dgm="http://schemas.openxmlformats.org/drawingml/2006/diagram" xmlns:cdr="http://schemas.openxmlformats.org/drawingml/2006/chartDrawing" xmlns:wne="http://schemas.microsoft.com/office/powerpoint/2006/powerpointml" xmlns:wp="http://schemas.openxmlformats.org/drawingml/2006/powerpointprocessingDrawing" xmlns:v="urn:schemas-microsoft-com:vml" xmlns:o="urn:schemas-microsoft-com:office:office" xmlns="">
+    <mc:Fallback xmlns="" xmlns:o="urn:schemas-microsoft-com:office:office" xmlns:v="urn:schemas-microsoft-com:vml" xmlns:wp="http://schemas.openxmlformats.org/drawingml/2006/powerpointprocessingDrawing" xmlns:wne="http://schemas.microsoft.com/office/powerpoint/2006/powerpointml" xmlns:cdr="http://schemas.openxmlformats.org/drawingml/2006/chartDrawing" xmlns:dgm="http://schemas.openxmlformats.org/drawingml/2006/diagram" xmlns:c="http://schemas.openxmlformats.org/drawingml/2006/chart">
       <p:transition spd="med">
         <p:fade/>
       </p:transition>
@@ -5502,12 +5416,6 @@
           <a:p>
             <a:r>
               <a:rPr lang="nl-NL" dirty="0" smtClean="0"/>
-              <a:t>Mislukte onderdelen</a:t>
-            </a:r>
-          </a:p>
-          <a:p>
-            <a:r>
-              <a:rPr lang="nl-NL" dirty="0" err="1" smtClean="0"/>
               <a:t>Parser</a:t>
             </a:r>
             <a:endParaRPr lang="nl-NL" dirty="0" smtClean="0"/>
@@ -5517,7 +5425,6 @@
               <a:rPr lang="nl-NL" dirty="0" smtClean="0"/>
               <a:t>Verbinding</a:t>
             </a:r>
-            <a:endParaRPr lang="nl-NL" dirty="0" smtClean="0"/>
           </a:p>
           <a:p>
             <a:r>
@@ -5555,7 +5462,7 @@
         <p:fade/>
       </p:transition>
     </mc:Choice>
-    <mc:Fallback xmlns:c="http://schemas.openxmlformats.org/drawingml/2006/chart" xmlns:dgm="http://schemas.openxmlformats.org/drawingml/2006/diagram" xmlns:cdr="http://schemas.openxmlformats.org/drawingml/2006/chartDrawing" xmlns:wne="http://schemas.microsoft.com/office/powerpoint/2006/powerpointml" xmlns:wp="http://schemas.openxmlformats.org/drawingml/2006/powerpointprocessingDrawing" xmlns:v="urn:schemas-microsoft-com:vml" xmlns:o="urn:schemas-microsoft-com:office:office" xmlns="">
+    <mc:Fallback xmlns="" xmlns:o="urn:schemas-microsoft-com:office:office" xmlns:v="urn:schemas-microsoft-com:vml" xmlns:wp="http://schemas.openxmlformats.org/drawingml/2006/powerpointprocessingDrawing" xmlns:wne="http://schemas.microsoft.com/office/powerpoint/2006/powerpointml" xmlns:cdr="http://schemas.openxmlformats.org/drawingml/2006/chartDrawing" xmlns:dgm="http://schemas.openxmlformats.org/drawingml/2006/diagram" xmlns:c="http://schemas.openxmlformats.org/drawingml/2006/chart">
       <p:transition spd="med">
         <p:fade/>
       </p:transition>
@@ -5668,7 +5575,7 @@
         <p:fade/>
       </p:transition>
     </mc:Choice>
-    <mc:Fallback xmlns:c="http://schemas.openxmlformats.org/drawingml/2006/chart" xmlns:dgm="http://schemas.openxmlformats.org/drawingml/2006/diagram" xmlns:cdr="http://schemas.openxmlformats.org/drawingml/2006/chartDrawing" xmlns:wne="http://schemas.microsoft.com/office/powerpoint/2006/powerpointml" xmlns:wp="http://schemas.openxmlformats.org/drawingml/2006/powerpointprocessingDrawing" xmlns:v="urn:schemas-microsoft-com:vml" xmlns:o="urn:schemas-microsoft-com:office:office" xmlns="">
+    <mc:Fallback xmlns="" xmlns:o="urn:schemas-microsoft-com:office:office" xmlns:v="urn:schemas-microsoft-com:vml" xmlns:wp="http://schemas.openxmlformats.org/drawingml/2006/powerpointprocessingDrawing" xmlns:wne="http://schemas.microsoft.com/office/powerpoint/2006/powerpointml" xmlns:cdr="http://schemas.openxmlformats.org/drawingml/2006/chartDrawing" xmlns:dgm="http://schemas.openxmlformats.org/drawingml/2006/diagram" xmlns:c="http://schemas.openxmlformats.org/drawingml/2006/chart">
       <p:transition spd="med">
         <p:fade/>
       </p:transition>
@@ -5817,7 +5724,7 @@
         <p:fade/>
       </p:transition>
     </mc:Choice>
-    <mc:Fallback xmlns:c="http://schemas.openxmlformats.org/drawingml/2006/chart" xmlns:dgm="http://schemas.openxmlformats.org/drawingml/2006/diagram" xmlns:cdr="http://schemas.openxmlformats.org/drawingml/2006/chartDrawing" xmlns:wne="http://schemas.microsoft.com/office/powerpoint/2006/powerpointml" xmlns:wp="http://schemas.openxmlformats.org/drawingml/2006/powerpointprocessingDrawing" xmlns:v="urn:schemas-microsoft-com:vml" xmlns:o="urn:schemas-microsoft-com:office:office" xmlns="">
+    <mc:Fallback xmlns="" xmlns:o="urn:schemas-microsoft-com:office:office" xmlns:v="urn:schemas-microsoft-com:vml" xmlns:wp="http://schemas.openxmlformats.org/drawingml/2006/powerpointprocessingDrawing" xmlns:wne="http://schemas.microsoft.com/office/powerpoint/2006/powerpointml" xmlns:cdr="http://schemas.openxmlformats.org/drawingml/2006/chartDrawing" xmlns:dgm="http://schemas.openxmlformats.org/drawingml/2006/diagram" xmlns:c="http://schemas.openxmlformats.org/drawingml/2006/chart">
       <p:transition spd="med">
         <p:fade/>
       </p:transition>
@@ -5834,124 +5741,6 @@
 </file>
 
 <file path=ppt/slides/slide5.xml><?xml version="1.0" encoding="utf-8"?>
-<p:sld xmlns:a="http://schemas.openxmlformats.org/drawingml/2006/main" xmlns:r="http://schemas.openxmlformats.org/officeDocument/2006/relationships" xmlns:p="http://schemas.openxmlformats.org/presentationml/2006/main">
-  <p:cSld>
-    <p:spTree>
-      <p:nvGrpSpPr>
-        <p:cNvPr id="1" name=""/>
-        <p:cNvGrpSpPr/>
-        <p:nvPr/>
-      </p:nvGrpSpPr>
-      <p:grpSpPr>
-        <a:xfrm>
-          <a:off x="0" y="0"/>
-          <a:ext cx="0" cy="0"/>
-          <a:chOff x="0" y="0"/>
-          <a:chExt cx="0" cy="0"/>
-        </a:xfrm>
-      </p:grpSpPr>
-      <p:sp>
-        <p:nvSpPr>
-          <p:cNvPr id="2" name="Titel 1"/>
-          <p:cNvSpPr>
-            <a:spLocks noGrp="1"/>
-          </p:cNvSpPr>
-          <p:nvPr>
-            <p:ph type="title"/>
-          </p:nvPr>
-        </p:nvSpPr>
-        <p:spPr/>
-        <p:txBody>
-          <a:bodyPr/>
-          <a:lstStyle/>
-          <a:p>
-            <a:r>
-              <a:rPr lang="nl-NL" dirty="0" smtClean="0"/>
-              <a:t>Mislukte onderdelen</a:t>
-            </a:r>
-            <a:endParaRPr lang="nl-NL" dirty="0"/>
-          </a:p>
-        </p:txBody>
-      </p:sp>
-      <p:sp>
-        <p:nvSpPr>
-          <p:cNvPr id="3" name="Tijdelijke aanduiding voor inhoud 2"/>
-          <p:cNvSpPr>
-            <a:spLocks noGrp="1"/>
-          </p:cNvSpPr>
-          <p:nvPr>
-            <p:ph sz="half" idx="1"/>
-          </p:nvPr>
-        </p:nvSpPr>
-        <p:spPr>
-          <a:xfrm>
-            <a:off x="1218883" y="1706880"/>
-            <a:ext cx="9988097" cy="4465320"/>
-          </a:xfrm>
-        </p:spPr>
-        <p:txBody>
-          <a:bodyPr/>
-          <a:lstStyle/>
-          <a:p>
-            <a:r>
-              <a:rPr lang="nl-NL" dirty="0" smtClean="0"/>
-              <a:t>Toernooivorm</a:t>
-            </a:r>
-          </a:p>
-          <a:p>
-            <a:r>
-              <a:rPr lang="nl-NL" dirty="0" smtClean="0"/>
-              <a:t>Power-ups</a:t>
-            </a:r>
-          </a:p>
-          <a:p>
-            <a:r>
-              <a:rPr lang="nl-NL" dirty="0" smtClean="0"/>
-              <a:t>Bepaalde obstakels</a:t>
-            </a:r>
-          </a:p>
-          <a:p>
-            <a:r>
-              <a:rPr lang="nl-NL" dirty="0" smtClean="0"/>
-              <a:t>Tutorial</a:t>
-            </a:r>
-            <a:endParaRPr lang="nl-NL" dirty="0"/>
-          </a:p>
-        </p:txBody>
-      </p:sp>
-    </p:spTree>
-    <p:extLst>
-      <p:ext uri="{BB962C8B-B14F-4D97-AF65-F5344CB8AC3E}">
-        <p14:creationId xmlns:p14="http://schemas.microsoft.com/office/powerpoint/2010/main" val="4123189245"/>
-      </p:ext>
-    </p:extLst>
-  </p:cSld>
-  <p:clrMapOvr>
-    <a:masterClrMapping/>
-  </p:clrMapOvr>
-  <mc:AlternateContent xmlns:mc="http://schemas.openxmlformats.org/markup-compatibility/2006" xmlns:p14="http://schemas.microsoft.com/office/powerpoint/2010/main">
-    <mc:Choice Requires="p14">
-      <p:transition spd="med" p14:dur="700">
-        <p:fade/>
-      </p:transition>
-    </mc:Choice>
-    <mc:Fallback xmlns:c="http://schemas.openxmlformats.org/drawingml/2006/chart" xmlns:dgm="http://schemas.openxmlformats.org/drawingml/2006/diagram" xmlns:cdr="http://schemas.openxmlformats.org/drawingml/2006/chartDrawing" xmlns:wne="http://schemas.microsoft.com/office/powerpoint/2006/powerpointml" xmlns:wp="http://schemas.openxmlformats.org/drawingml/2006/powerpointprocessingDrawing" xmlns:v="urn:schemas-microsoft-com:vml" xmlns:o="urn:schemas-microsoft-com:office:office" xmlns="">
-      <p:transition spd="med">
-        <p:fade/>
-      </p:transition>
-    </mc:Fallback>
-  </mc:AlternateContent>
-  <p:timing>
-    <p:tnLst>
-      <p:par>
-        <p:cTn id="1" dur="indefinite" restart="never" nodeType="tmRoot"/>
-      </p:par>
-    </p:tnLst>
-  </p:timing>
-</p:sld>
-</file>
-
-<file path=ppt/slides/slide6.xml><?xml version="1.0" encoding="utf-8"?>
 <p:sld xmlns:a="http://schemas.openxmlformats.org/drawingml/2006/main" xmlns:r="http://schemas.openxmlformats.org/officeDocument/2006/relationships" xmlns:p="http://schemas.openxmlformats.org/presentationml/2006/main">
   <p:cSld>
     <p:spTree>
@@ -6239,13 +6028,13 @@
   <p:clrMapOvr>
     <a:masterClrMapping/>
   </p:clrMapOvr>
-  <mc:AlternateContent xmlns:mc="http://schemas.openxmlformats.org/markup-compatibility/2006">
-    <mc:Choice xmlns:p14="http://schemas.microsoft.com/office/powerpoint/2010/main" Requires="p14">
+  <mc:AlternateContent xmlns:mc="http://schemas.openxmlformats.org/markup-compatibility/2006" xmlns:p14="http://schemas.microsoft.com/office/powerpoint/2010/main">
+    <mc:Choice Requires="p14">
       <p:transition spd="med" p14:dur="700">
         <p:fade/>
       </p:transition>
     </mc:Choice>
-    <mc:Fallback>
+    <mc:Fallback xmlns="">
       <p:transition spd="med">
         <p:fade/>
       </p:transition>
@@ -6254,7 +6043,7 @@
 </p:sld>
 </file>
 
-<file path=ppt/slides/slide7.xml><?xml version="1.0" encoding="utf-8"?>
+<file path=ppt/slides/slide6.xml><?xml version="1.0" encoding="utf-8"?>
 <p:sld xmlns:a="http://schemas.openxmlformats.org/drawingml/2006/main" xmlns:r="http://schemas.openxmlformats.org/officeDocument/2006/relationships" xmlns:p="http://schemas.openxmlformats.org/presentationml/2006/main">
   <p:cSld>
     <p:spTree>
@@ -6544,13 +6333,13 @@
   <p:clrMapOvr>
     <a:masterClrMapping/>
   </p:clrMapOvr>
-  <mc:AlternateContent xmlns:mc="http://schemas.openxmlformats.org/markup-compatibility/2006">
-    <mc:Choice xmlns:p14="http://schemas.microsoft.com/office/powerpoint/2010/main" Requires="p14">
+  <mc:AlternateContent xmlns:mc="http://schemas.openxmlformats.org/markup-compatibility/2006" xmlns:p14="http://schemas.microsoft.com/office/powerpoint/2010/main">
+    <mc:Choice Requires="p14">
       <p:transition spd="med" p14:dur="700">
         <p:fade/>
       </p:transition>
     </mc:Choice>
-    <mc:Fallback>
+    <mc:Fallback xmlns="">
       <p:transition spd="med">
         <p:fade/>
       </p:transition>
@@ -6559,7 +6348,7 @@
 </p:sld>
 </file>
 
-<file path=ppt/slides/slide8.xml><?xml version="1.0" encoding="utf-8"?>
+<file path=ppt/slides/slide7.xml><?xml version="1.0" encoding="utf-8"?>
 <p:sld xmlns:a="http://schemas.openxmlformats.org/drawingml/2006/main" xmlns:r="http://schemas.openxmlformats.org/officeDocument/2006/relationships" xmlns:p="http://schemas.openxmlformats.org/presentationml/2006/main">
   <p:cSld>
     <p:spTree>
@@ -6883,7 +6672,7 @@
 </p:sld>
 </file>
 
-<file path=ppt/slides/slide9.xml><?xml version="1.0" encoding="utf-8"?>
+<file path=ppt/slides/slide8.xml><?xml version="1.0" encoding="utf-8"?>
 <p:sld xmlns:a="http://schemas.openxmlformats.org/drawingml/2006/main" xmlns:r="http://schemas.openxmlformats.org/officeDocument/2006/relationships" xmlns:p="http://schemas.openxmlformats.org/presentationml/2006/main">
   <p:cSld>
     <p:spTree>
